--- a/Presentations/Pre-Alpha.pptx
+++ b/Presentations/Pre-Alpha.pptx
@@ -7348,7 +7348,7 @@
             <p:ph idx="1"/>
             <p:extLst>
               <p:ext uri="{D42A27DB-BD31-4B8C-83A1-F6EECF244321}">
-                <p14:modId xmlns:p14="http://schemas.microsoft.com/office/powerpoint/2010/main" val="429827646"/>
+                <p14:modId xmlns:p14="http://schemas.microsoft.com/office/powerpoint/2010/main" val="3973125605"/>
               </p:ext>
             </p:extLst>
           </p:nvPr>
@@ -7498,6 +7498,20 @@
                     <a:lstStyle/>
                     <a:p>
                       <a:r>
+                        <a:rPr lang="en-US" sz="1550" baseline="0" dirty="0" smtClean="0"/>
+                        <a:t>-Midterms</a:t>
+                      </a:r>
+                      <a:endParaRPr lang="en-US" sz="1550" dirty="0"/>
+                    </a:p>
+                  </a:txBody>
+                  <a:tcPr/>
+                </a:tc>
+                <a:tc>
+                  <a:txBody>
+                    <a:bodyPr/>
+                    <a:lstStyle/>
+                    <a:p>
+                      <a:r>
                         <a:rPr lang="en-US" sz="1550" dirty="0" smtClean="0"/>
                         <a:t>-Rewrite</a:t>
                       </a:r>
@@ -7505,7 +7519,7 @@
                         <a:rPr lang="en-US" sz="1550" baseline="0" dirty="0" smtClean="0"/>
                         <a:t> level gen (prefabs)</a:t>
                       </a:r>
-                      <a:endParaRPr lang="en-US" sz="1550" dirty="0"/>
+                      <a:endParaRPr lang="en-US" sz="1550" baseline="0" dirty="0" smtClean="0"/>
                     </a:p>
                   </a:txBody>
                   <a:tcPr/>
@@ -7529,24 +7543,9 @@
                         <a:rPr lang="en-US" sz="1550" baseline="0" dirty="0" smtClean="0"/>
                         <a:t>(music playlist)</a:t>
                       </a:r>
-                      <a:endParaRPr lang="en-US" sz="1550" dirty="0"/>
+                      <a:endParaRPr lang="en-US" sz="1550" dirty="0" smtClean="0"/>
                     </a:p>
-                  </a:txBody>
-                  <a:tcPr/>
-                </a:tc>
-                <a:tc>
-                  <a:txBody>
-                    <a:bodyPr/>
-                    <a:lstStyle/>
                     <a:p>
-                      <a:r>
-                        <a:rPr lang="en-US" sz="1550" dirty="0" smtClean="0"/>
-                        <a:t>-Bugfix</a:t>
-                      </a:r>
-                      <a:r>
-                        <a:rPr lang="en-US" sz="1550" baseline="0" dirty="0" smtClean="0"/>
-                        <a:t> duty until new requirements</a:t>
-                      </a:r>
                       <a:endParaRPr lang="en-US" sz="1550" dirty="0"/>
                     </a:p>
                   </a:txBody>
@@ -7641,13 +7640,7 @@
                     <a:p>
                       <a:r>
                         <a:rPr lang="en-US" sz="1550" dirty="0" smtClean="0"/>
-                        <a:t>-Enemy Art</a:t>
-                      </a:r>
-                    </a:p>
-                    <a:p>
-                      <a:r>
-                        <a:rPr lang="en-US" sz="1550" dirty="0" smtClean="0"/>
-                        <a:t>-Item Generation</a:t>
+                        <a:t>-Midterms</a:t>
                       </a:r>
                       <a:endParaRPr lang="en-US" sz="1550" dirty="0"/>
                     </a:p>
@@ -7659,32 +7652,15 @@
                     <a:bodyPr/>
                     <a:lstStyle/>
                     <a:p>
-                      <a:pPr marL="0" marR="0" indent="0" algn="l" defTabSz="457200" rtl="0" eaLnBrk="1" fontAlgn="auto" latinLnBrk="0" hangingPunct="1">
-                        <a:lnSpc>
-                          <a:spcPct val="100000"/>
-                        </a:lnSpc>
-                        <a:spcBef>
-                          <a:spcPts val="0"/>
-                        </a:spcBef>
-                        <a:spcAft>
-                          <a:spcPts val="0"/>
-                        </a:spcAft>
-                        <a:buClrTx/>
-                        <a:buSzTx/>
-                        <a:buFontTx/>
-                        <a:buNone/>
-                        <a:tabLst/>
-                        <a:defRPr/>
-                      </a:pPr>
                       <a:r>
                         <a:rPr lang="en-US" sz="1550" dirty="0" smtClean="0"/>
-                        <a:t>-Playtesting</a:t>
+                        <a:t>-Enemy Art</a:t>
                       </a:r>
                     </a:p>
                     <a:p>
                       <a:r>
                         <a:rPr lang="en-US" sz="1550" dirty="0" smtClean="0"/>
-                        <a:t>-General Art</a:t>
+                        <a:t>-Item Generation</a:t>
                       </a:r>
                       <a:endParaRPr lang="en-US" sz="1550" dirty="0"/>
                     </a:p>
@@ -7823,7 +7799,7 @@
                     <a:p>
                       <a:r>
                         <a:rPr lang="en-US" sz="1550" dirty="0" smtClean="0"/>
-                        <a:t>-More Complex Inventory System</a:t>
+                        <a:t>-Midterms</a:t>
                       </a:r>
                       <a:endParaRPr lang="en-US" sz="1550" dirty="0"/>
                     </a:p>
@@ -8010,17 +7986,7 @@
                       </a:pPr>
                       <a:r>
                         <a:rPr lang="en-US" sz="1550" dirty="0" smtClean="0"/>
-                        <a:t>-Enemy AI</a:t>
-                      </a:r>
-                    </a:p>
-                    <a:p>
-                      <a:r>
-                        <a:rPr lang="en-US" sz="1550" dirty="0" smtClean="0"/>
-                        <a:t>-Room</a:t>
-                      </a:r>
-                      <a:r>
-                        <a:rPr lang="en-US" sz="1550" baseline="0" dirty="0" smtClean="0"/>
-                        <a:t> Design</a:t>
+                        <a:t>-Midterms</a:t>
                       </a:r>
                       <a:endParaRPr lang="en-US" sz="1550" dirty="0"/>
                     </a:p>
@@ -8258,13 +8224,7 @@
                     <a:p>
                       <a:r>
                         <a:rPr lang="en-US" sz="1550" dirty="0" smtClean="0"/>
-                        <a:t>-Sound and Music</a:t>
-                      </a:r>
-                    </a:p>
-                    <a:p>
-                      <a:r>
-                        <a:rPr lang="en-US" sz="1550" dirty="0" smtClean="0"/>
-                        <a:t>-Ranged Weapon Design</a:t>
+                        <a:t>-Midterms</a:t>
                       </a:r>
                     </a:p>
                   </a:txBody>
@@ -8275,53 +8235,16 @@
                     <a:bodyPr/>
                     <a:lstStyle/>
                     <a:p>
-                      <a:pPr marL="0" marR="0" indent="0" algn="l" defTabSz="457200" rtl="0" eaLnBrk="1" fontAlgn="auto" latinLnBrk="0" hangingPunct="1">
-                        <a:lnSpc>
-                          <a:spcPct val="100000"/>
-                        </a:lnSpc>
-                        <a:spcBef>
-                          <a:spcPts val="0"/>
-                        </a:spcBef>
-                        <a:spcAft>
-                          <a:spcPts val="0"/>
-                        </a:spcAft>
-                        <a:buClrTx/>
-                        <a:buSzTx/>
-                        <a:buFontTx/>
-                        <a:buNone/>
-                        <a:tabLst/>
-                        <a:defRPr/>
-                      </a:pPr>
                       <a:r>
                         <a:rPr lang="en-US" sz="1550" dirty="0" smtClean="0"/>
                         <a:t>-Sound and Music</a:t>
                       </a:r>
                     </a:p>
                     <a:p>
-                      <a:pPr marL="0" marR="0" indent="0" algn="l" defTabSz="457200" rtl="0" eaLnBrk="1" fontAlgn="auto" latinLnBrk="0" hangingPunct="1">
-                        <a:lnSpc>
-                          <a:spcPct val="100000"/>
-                        </a:lnSpc>
-                        <a:spcBef>
-                          <a:spcPts val="0"/>
-                        </a:spcBef>
-                        <a:spcAft>
-                          <a:spcPts val="0"/>
-                        </a:spcAft>
-                        <a:buClrTx/>
-                        <a:buSzTx/>
-                        <a:buFontTx/>
-                        <a:buNone/>
-                        <a:tabLst/>
-                        <a:defRPr/>
-                      </a:pPr>
                       <a:r>
                         <a:rPr lang="en-US" sz="1550" dirty="0" smtClean="0"/>
-                        <a:t>-Playtesting</a:t>
+                        <a:t>-Ranged Weapon Design</a:t>
                       </a:r>
-                    </a:p>
-                    <a:p>
-                      <a:endParaRPr lang="en-US" sz="1550" dirty="0"/>
                     </a:p>
                   </a:txBody>
                   <a:tcPr/>

--- a/Presentations/Pre-Alpha.pptx
+++ b/Presentations/Pre-Alpha.pptx
@@ -112,6 +112,11 @@
       </a:defRPr>
     </a:lvl9pPr>
   </p:defaultTextStyle>
+  <p:extLst>
+    <p:ext uri="{EFAFB233-063F-42B5-8137-9DF3F51BA10A}">
+      <p15:sldGuideLst xmlns:p15="http://schemas.microsoft.com/office/powerpoint/2012/main"/>
+    </p:ext>
+  </p:extLst>
 </p:presentation>
 </file>
 
@@ -301,7 +306,7 @@
           <a:p>
             <a:fld id="{CB9E2EAB-F89E-4C3D-A72C-04161FB6C46B}" type="datetimeFigureOut">
               <a:rPr lang="en-US" smtClean="0"/>
-              <a:t>2/4/2015</a:t>
+              <a:t>2/5/2015</a:t>
             </a:fld>
             <a:endParaRPr lang="en-US"/>
           </a:p>
@@ -576,7 +581,7 @@
           <a:p>
             <a:fld id="{CB9E2EAB-F89E-4C3D-A72C-04161FB6C46B}" type="datetimeFigureOut">
               <a:rPr lang="en-US" smtClean="0"/>
-              <a:t>2/4/2015</a:t>
+              <a:t>2/5/2015</a:t>
             </a:fld>
             <a:endParaRPr lang="en-US"/>
           </a:p>
@@ -770,7 +775,7 @@
           <a:p>
             <a:fld id="{CB9E2EAB-F89E-4C3D-A72C-04161FB6C46B}" type="datetimeFigureOut">
               <a:rPr lang="en-US" smtClean="0"/>
-              <a:t>2/4/2015</a:t>
+              <a:t>2/5/2015</a:t>
             </a:fld>
             <a:endParaRPr lang="en-US"/>
           </a:p>
@@ -1043,7 +1048,7 @@
           <a:p>
             <a:fld id="{CB9E2EAB-F89E-4C3D-A72C-04161FB6C46B}" type="datetimeFigureOut">
               <a:rPr lang="en-US" smtClean="0"/>
-              <a:t>2/4/2015</a:t>
+              <a:t>2/5/2015</a:t>
             </a:fld>
             <a:endParaRPr lang="en-US"/>
           </a:p>
@@ -1384,7 +1389,7 @@
           <a:p>
             <a:fld id="{CB9E2EAB-F89E-4C3D-A72C-04161FB6C46B}" type="datetimeFigureOut">
               <a:rPr lang="en-US" smtClean="0"/>
-              <a:t>2/4/2015</a:t>
+              <a:t>2/5/2015</a:t>
             </a:fld>
             <a:endParaRPr lang="en-US"/>
           </a:p>
@@ -2007,7 +2012,7 @@
           <a:p>
             <a:fld id="{CB9E2EAB-F89E-4C3D-A72C-04161FB6C46B}" type="datetimeFigureOut">
               <a:rPr lang="en-US" smtClean="0"/>
-              <a:t>2/4/2015</a:t>
+              <a:t>2/5/2015</a:t>
             </a:fld>
             <a:endParaRPr lang="en-US"/>
           </a:p>
@@ -2867,7 +2872,7 @@
           <a:p>
             <a:fld id="{CB9E2EAB-F89E-4C3D-A72C-04161FB6C46B}" type="datetimeFigureOut">
               <a:rPr lang="en-US" smtClean="0"/>
-              <a:t>2/4/2015</a:t>
+              <a:t>2/5/2015</a:t>
             </a:fld>
             <a:endParaRPr lang="en-US"/>
           </a:p>
@@ -3037,7 +3042,7 @@
           <a:p>
             <a:fld id="{CB9E2EAB-F89E-4C3D-A72C-04161FB6C46B}" type="datetimeFigureOut">
               <a:rPr lang="en-US" smtClean="0"/>
-              <a:t>2/4/2015</a:t>
+              <a:t>2/5/2015</a:t>
             </a:fld>
             <a:endParaRPr lang="en-US"/>
           </a:p>
@@ -3217,7 +3222,7 @@
           <a:p>
             <a:fld id="{CB9E2EAB-F89E-4C3D-A72C-04161FB6C46B}" type="datetimeFigureOut">
               <a:rPr lang="en-US" smtClean="0"/>
-              <a:t>2/4/2015</a:t>
+              <a:t>2/5/2015</a:t>
             </a:fld>
             <a:endParaRPr lang="en-US"/>
           </a:p>
@@ -3387,7 +3392,7 @@
           <a:p>
             <a:fld id="{CB9E2EAB-F89E-4C3D-A72C-04161FB6C46B}" type="datetimeFigureOut">
               <a:rPr lang="en-US" smtClean="0"/>
-              <a:t>2/4/2015</a:t>
+              <a:t>2/5/2015</a:t>
             </a:fld>
             <a:endParaRPr lang="en-US"/>
           </a:p>
@@ -3634,7 +3639,7 @@
           <a:p>
             <a:fld id="{CB9E2EAB-F89E-4C3D-A72C-04161FB6C46B}" type="datetimeFigureOut">
               <a:rPr lang="en-US" smtClean="0"/>
-              <a:t>2/4/2015</a:t>
+              <a:t>2/5/2015</a:t>
             </a:fld>
             <a:endParaRPr lang="en-US"/>
           </a:p>
@@ -3926,7 +3931,7 @@
           <a:p>
             <a:fld id="{CB9E2EAB-F89E-4C3D-A72C-04161FB6C46B}" type="datetimeFigureOut">
               <a:rPr lang="en-US" smtClean="0"/>
-              <a:t>2/4/2015</a:t>
+              <a:t>2/5/2015</a:t>
             </a:fld>
             <a:endParaRPr lang="en-US"/>
           </a:p>
@@ -4370,7 +4375,7 @@
           <a:p>
             <a:fld id="{CB9E2EAB-F89E-4C3D-A72C-04161FB6C46B}" type="datetimeFigureOut">
               <a:rPr lang="en-US" smtClean="0"/>
-              <a:t>2/4/2015</a:t>
+              <a:t>2/5/2015</a:t>
             </a:fld>
             <a:endParaRPr lang="en-US"/>
           </a:p>
@@ -4488,7 +4493,7 @@
           <a:p>
             <a:fld id="{CB9E2EAB-F89E-4C3D-A72C-04161FB6C46B}" type="datetimeFigureOut">
               <a:rPr lang="en-US" smtClean="0"/>
-              <a:t>2/4/2015</a:t>
+              <a:t>2/5/2015</a:t>
             </a:fld>
             <a:endParaRPr lang="en-US"/>
           </a:p>
@@ -4583,7 +4588,7 @@
           <a:p>
             <a:fld id="{CB9E2EAB-F89E-4C3D-A72C-04161FB6C46B}" type="datetimeFigureOut">
               <a:rPr lang="en-US" smtClean="0"/>
-              <a:t>2/4/2015</a:t>
+              <a:t>2/5/2015</a:t>
             </a:fld>
             <a:endParaRPr lang="en-US"/>
           </a:p>
@@ -4862,7 +4867,7 @@
           <a:p>
             <a:fld id="{CB9E2EAB-F89E-4C3D-A72C-04161FB6C46B}" type="datetimeFigureOut">
               <a:rPr lang="en-US" smtClean="0"/>
-              <a:t>2/4/2015</a:t>
+              <a:t>2/5/2015</a:t>
             </a:fld>
             <a:endParaRPr lang="en-US"/>
           </a:p>
@@ -5137,7 +5142,7 @@
           <a:p>
             <a:fld id="{CB9E2EAB-F89E-4C3D-A72C-04161FB6C46B}" type="datetimeFigureOut">
               <a:rPr lang="en-US" smtClean="0"/>
-              <a:t>2/4/2015</a:t>
+              <a:t>2/5/2015</a:t>
             </a:fld>
             <a:endParaRPr lang="en-US"/>
           </a:p>
@@ -5566,7 +5571,7 @@
           <a:p>
             <a:fld id="{CB9E2EAB-F89E-4C3D-A72C-04161FB6C46B}" type="datetimeFigureOut">
               <a:rPr lang="en-US" smtClean="0"/>
-              <a:t>2/4/2015</a:t>
+              <a:t>2/5/2015</a:t>
             </a:fld>
             <a:endParaRPr lang="en-US"/>
           </a:p>
@@ -6411,11 +6416,6 @@
               </a:rPr>
               <a:t>Roguelike emphasizing treasure-hunting and combat through a procedurally generated labyrinth.</a:t>
             </a:r>
-            <a:endParaRPr lang="en-US" sz="2400" dirty="0">
-              <a:solidFill>
-                <a:schemeClr val="tx1"/>
-              </a:solidFill>
-            </a:endParaRPr>
           </a:p>
         </p:txBody>
       </p:sp>
@@ -6632,7 +6632,7 @@
         <p:spPr>
           <a:xfrm>
             <a:off x="646111" y="452718"/>
-            <a:ext cx="9404723" cy="770964"/>
+            <a:ext cx="9404723" cy="1074868"/>
           </a:xfrm>
         </p:spPr>
         <p:txBody>
@@ -6643,7 +6643,14 @@
               <a:rPr lang="en-US" dirty="0" smtClean="0"/>
               <a:t>PLAYTESTING</a:t>
             </a:r>
-            <a:endParaRPr lang="en-US" dirty="0"/>
+            <a:br>
+              <a:rPr lang="en-US" dirty="0" smtClean="0"/>
+            </a:br>
+            <a:r>
+              <a:rPr lang="en-US" sz="2000" dirty="0" smtClean="0"/>
+              <a:t>(We wish we had more)</a:t>
+            </a:r>
+            <a:endParaRPr lang="en-US" sz="2000" dirty="0"/>
           </a:p>
         </p:txBody>
       </p:sp>
@@ -6659,8 +6666,8 @@
         </p:nvSpPr>
         <p:spPr>
           <a:xfrm>
-            <a:off x="875201" y="1223682"/>
-            <a:ext cx="10810293" cy="5109883"/>
+            <a:off x="875201" y="1699708"/>
+            <a:ext cx="10810293" cy="4633857"/>
           </a:xfrm>
         </p:spPr>
         <p:txBody>
@@ -6676,30 +6683,31 @@
             <a:pPr lvl="1"/>
             <a:r>
               <a:rPr lang="en-US" sz="2600" dirty="0" smtClean="0"/>
-              <a:t>Playtesting results suggested</a:t>
+              <a:t>Playtesting results </a:t>
+            </a:r>
+            <a:r>
+              <a:rPr lang="en-US" sz="2600" dirty="0" smtClean="0"/>
+              <a:t>suggested that our game still had a slight engagement problem, and that can probably be blamed on poor item scaling design and only one type of AI. </a:t>
+            </a:r>
+          </a:p>
+          <a:p>
+            <a:pPr lvl="1"/>
+            <a:r>
+              <a:rPr lang="en-US" sz="2600" dirty="0" smtClean="0"/>
+              <a:t>Currently items scale on level and damage is just multiplied linearly. (As is enemy health from floor to floor) This system will be changed to a system where the adjectives decide the level and weapon damage will not arbitrarily scale. </a:t>
             </a:r>
             <a:endParaRPr lang="en-US" sz="2600" dirty="0"/>
           </a:p>
           <a:p>
-            <a:endParaRPr lang="en-US" sz="2800" dirty="0" smtClean="0"/>
-          </a:p>
-          <a:p>
-            <a:r>
-              <a:rPr lang="en-US" sz="2800" dirty="0" smtClean="0"/>
-              <a:t>INFORMAL PLAYTESTING RESULTS:</a:t>
-            </a:r>
-          </a:p>
-          <a:p>
             <a:pPr lvl="1"/>
             <a:r>
               <a:rPr lang="en-US" sz="2600" dirty="0" smtClean="0"/>
-              <a:t>placeholder</a:t>
-            </a:r>
-          </a:p>
-          <a:p>
-            <a:pPr marL="0" indent="0">
-              <a:buNone/>
-            </a:pPr>
+              <a:t>Mor</a:t>
+            </a:r>
+            <a:r>
+              <a:rPr lang="en-US" sz="2600" dirty="0" smtClean="0"/>
+              <a:t>e AI types are guaranteed now that the AI system has been finalized. These will be patched in as soon as possible. </a:t>
+            </a:r>
             <a:endParaRPr lang="en-US" dirty="0"/>
           </a:p>
         </p:txBody>
@@ -7519,7 +7527,6 @@
                         <a:rPr lang="en-US" sz="1550" baseline="0" dirty="0" smtClean="0"/>
                         <a:t> level gen (prefabs)</a:t>
                       </a:r>
-                      <a:endParaRPr lang="en-US" sz="1550" baseline="0" dirty="0" smtClean="0"/>
                     </a:p>
                   </a:txBody>
                   <a:tcPr/>
